--- a/assets/ppt/MachineLearning_RedesNeurais.pptx
+++ b/assets/ppt/MachineLearning_RedesNeurais.pptx
@@ -10,11 +10,11 @@
   <p:sldIdLst>
     <p:sldId id="256" r:id="rId2"/>
     <p:sldId id="257" r:id="rId3"/>
-    <p:sldId id="309" r:id="rId4"/>
-    <p:sldId id="258" r:id="rId5"/>
-    <p:sldId id="282" r:id="rId6"/>
-    <p:sldId id="259" r:id="rId7"/>
-    <p:sldId id="260" r:id="rId8"/>
+    <p:sldId id="258" r:id="rId4"/>
+    <p:sldId id="282" r:id="rId5"/>
+    <p:sldId id="259" r:id="rId6"/>
+    <p:sldId id="260" r:id="rId7"/>
+    <p:sldId id="309" r:id="rId8"/>
     <p:sldId id="283" r:id="rId9"/>
     <p:sldId id="304" r:id="rId10"/>
     <p:sldId id="305" r:id="rId11"/>
@@ -224,7 +224,7 @@
           <a:p>
             <a:fld id="{F75F9399-9FCD-4EB5-9097-B1F7C844D6C0}" type="datetimeFigureOut">
               <a:rPr lang="pt-BR" smtClean="0"/>
-              <a:t>08/07/2025</a:t>
+              <a:t>12/07/2025</a:t>
             </a:fld>
             <a:endParaRPr lang="pt-BR"/>
           </a:p>
@@ -556,7 +556,7 @@
           <a:p>
             <a:fld id="{2AFE8E06-5ACC-4B76-ABC7-227BE4050CB3}" type="slidenum">
               <a:rPr lang="pt-BR" smtClean="0"/>
-              <a:t>7</a:t>
+              <a:t>6</a:t>
             </a:fld>
             <a:endParaRPr lang="pt-BR"/>
           </a:p>
@@ -806,7 +806,7 @@
           <a:p>
             <a:fld id="{6C726EF1-3415-47A9-AAD0-DEB93AD0CD29}" type="datetime1">
               <a:rPr lang="pt-BR" smtClean="0"/>
-              <a:t>08/07/2025</a:t>
+              <a:t>12/07/2025</a:t>
             </a:fld>
             <a:endParaRPr lang="pt-BR"/>
           </a:p>
@@ -1004,7 +1004,7 @@
           <a:p>
             <a:fld id="{EE569239-516C-47E0-BCF6-9A2AF4BC06CA}" type="datetime1">
               <a:rPr lang="pt-BR" smtClean="0"/>
-              <a:t>08/07/2025</a:t>
+              <a:t>12/07/2025</a:t>
             </a:fld>
             <a:endParaRPr lang="pt-BR"/>
           </a:p>
@@ -1212,7 +1212,7 @@
           <a:p>
             <a:fld id="{76DF1AFA-F169-45B6-8F49-433F5750701E}" type="datetime1">
               <a:rPr lang="pt-BR" smtClean="0"/>
-              <a:t>08/07/2025</a:t>
+              <a:t>12/07/2025</a:t>
             </a:fld>
             <a:endParaRPr lang="pt-BR"/>
           </a:p>
@@ -1410,7 +1410,7 @@
           <a:p>
             <a:fld id="{2CBB738E-6E7C-42C7-B306-D2F69400786E}" type="datetime1">
               <a:rPr lang="pt-BR" smtClean="0"/>
-              <a:t>08/07/2025</a:t>
+              <a:t>12/07/2025</a:t>
             </a:fld>
             <a:endParaRPr lang="pt-BR"/>
           </a:p>
@@ -1685,7 +1685,7 @@
           <a:p>
             <a:fld id="{5DEC77CB-96CC-4F6A-B0CA-CC6FDE8F2E03}" type="datetime1">
               <a:rPr lang="pt-BR" smtClean="0"/>
-              <a:t>08/07/2025</a:t>
+              <a:t>12/07/2025</a:t>
             </a:fld>
             <a:endParaRPr lang="pt-BR"/>
           </a:p>
@@ -1950,7 +1950,7 @@
           <a:p>
             <a:fld id="{AF461D1F-EC60-44F8-806D-8AB5B22260D2}" type="datetime1">
               <a:rPr lang="pt-BR" smtClean="0"/>
-              <a:t>08/07/2025</a:t>
+              <a:t>12/07/2025</a:t>
             </a:fld>
             <a:endParaRPr lang="pt-BR"/>
           </a:p>
@@ -2362,7 +2362,7 @@
           <a:p>
             <a:fld id="{17F36871-66A0-4B15-8698-510B8E856200}" type="datetime1">
               <a:rPr lang="pt-BR" smtClean="0"/>
-              <a:t>08/07/2025</a:t>
+              <a:t>12/07/2025</a:t>
             </a:fld>
             <a:endParaRPr lang="pt-BR"/>
           </a:p>
@@ -2503,7 +2503,7 @@
           <a:p>
             <a:fld id="{EECFC82D-BFF4-466D-8450-5252E65136C8}" type="datetime1">
               <a:rPr lang="pt-BR" smtClean="0"/>
-              <a:t>08/07/2025</a:t>
+              <a:t>12/07/2025</a:t>
             </a:fld>
             <a:endParaRPr lang="pt-BR"/>
           </a:p>
@@ -2616,7 +2616,7 @@
           <a:p>
             <a:fld id="{C70813B8-F369-43AF-AE80-11F6175FB80C}" type="datetime1">
               <a:rPr lang="pt-BR" smtClean="0"/>
-              <a:t>08/07/2025</a:t>
+              <a:t>12/07/2025</a:t>
             </a:fld>
             <a:endParaRPr lang="pt-BR"/>
           </a:p>
@@ -2927,7 +2927,7 @@
           <a:p>
             <a:fld id="{2A78AA8D-55C6-4247-9D6C-A98EA9875AE4}" type="datetime1">
               <a:rPr lang="pt-BR" smtClean="0"/>
-              <a:t>08/07/2025</a:t>
+              <a:t>12/07/2025</a:t>
             </a:fld>
             <a:endParaRPr lang="pt-BR"/>
           </a:p>
@@ -3215,7 +3215,7 @@
           <a:p>
             <a:fld id="{2F63D052-0229-42E2-AE2E-542AE57F799B}" type="datetime1">
               <a:rPr lang="pt-BR" smtClean="0"/>
-              <a:t>08/07/2025</a:t>
+              <a:t>12/07/2025</a:t>
             </a:fld>
             <a:endParaRPr lang="pt-BR"/>
           </a:p>
@@ -3456,7 +3456,7 @@
           <a:p>
             <a:fld id="{66D610B5-AA65-4A19-B373-E5658444F765}" type="datetime1">
               <a:rPr lang="pt-BR" smtClean="0"/>
-              <a:t>08/07/2025</a:t>
+              <a:t>12/07/2025</a:t>
             </a:fld>
             <a:endParaRPr lang="pt-BR"/>
           </a:p>
@@ -7739,8 +7739,20 @@
           </a:p>
           <a:p>
             <a:r>
-              <a:rPr lang="pt-BR" sz="2200" i="1" dirty="0"/>
+              <a:rPr lang="pt-BR" sz="2200" dirty="0" err="1"/>
+              <a:t>Probemas</a:t>
+            </a:r>
+            <a:r>
+              <a:rPr lang="pt-BR" sz="2200" dirty="0"/>
+              <a:t> de Agrupamento (</a:t>
+            </a:r>
+            <a:r>
+              <a:rPr lang="pt-BR" sz="2200" i="1" dirty="0" err="1"/>
               <a:t>Clustering</a:t>
+            </a:r>
+            <a:r>
+              <a:rPr lang="pt-BR" sz="2200" dirty="0"/>
+              <a:t>)</a:t>
             </a:r>
           </a:p>
           <a:p>
@@ -13958,19 +13970,14 @@
             <p:ph type="title"/>
           </p:nvPr>
         </p:nvSpPr>
-        <p:spPr>
-          <a:xfrm>
-            <a:off x="838199" y="365125"/>
-            <a:ext cx="11049097" cy="1325563"/>
-          </a:xfrm>
-        </p:spPr>
+        <p:spPr/>
         <p:txBody>
           <a:bodyPr/>
           <a:lstStyle/>
           <a:p>
             <a:r>
               <a:rPr lang="pt-BR" b="1" dirty="0"/>
-              <a:t>PLAYGROUND DO TENSORFLOW</a:t>
+              <a:t>Tipos de redes neurais</a:t>
             </a:r>
           </a:p>
         </p:txBody>
@@ -14032,10 +14039,10 @@
       </p:sp>
       <p:sp>
         <p:nvSpPr>
-          <p:cNvPr id="4" name="Espaço Reservado para Número de Slide 3">
-            <a:extLst>
-              <a:ext uri="{FF2B5EF4-FFF2-40B4-BE49-F238E27FC236}">
-                <a16:creationId xmlns:a16="http://schemas.microsoft.com/office/drawing/2014/main" id="{1A1582B6-145D-0C8B-C335-D471D444DA79}"/>
+          <p:cNvPr id="5" name="Espaço Reservado para Número de Slide 4">
+            <a:extLst>
+              <a:ext uri="{FF2B5EF4-FFF2-40B4-BE49-F238E27FC236}">
+                <a16:creationId xmlns:a16="http://schemas.microsoft.com/office/drawing/2014/main" id="{D416299F-8052-567E-AB96-8DD159F8779D}"/>
               </a:ext>
             </a:extLst>
           </p:cNvPr>
@@ -14051,20 +14058,19 @@
           <a:bodyPr/>
           <a:lstStyle/>
           <a:p>
-            <a:fld id="{100E1BD7-A6F2-47E2-ACB3-3469C810C63E}" type="slidenum">
-              <a:rPr lang="pt-BR" smtClean="0"/>
+            <a:r>
+              <a:rPr lang="pt-BR" dirty="0"/>
               <a:t>3</a:t>
-            </a:fld>
-            <a:endParaRPr lang="pt-BR"/>
-          </a:p>
-        </p:txBody>
-      </p:sp>
-      <p:sp>
-        <p:nvSpPr>
-          <p:cNvPr id="10" name="TextBox 9">
-            <a:extLst>
-              <a:ext uri="{FF2B5EF4-FFF2-40B4-BE49-F238E27FC236}">
-                <a16:creationId xmlns:a16="http://schemas.microsoft.com/office/drawing/2014/main" id="{52E3E3C8-6B05-B5B5-D4CC-13EED8717509}"/>
+            </a:r>
+          </a:p>
+        </p:txBody>
+      </p:sp>
+      <p:sp>
+        <p:nvSpPr>
+          <p:cNvPr id="9" name="TextBox 8">
+            <a:extLst>
+              <a:ext uri="{FF2B5EF4-FFF2-40B4-BE49-F238E27FC236}">
+                <a16:creationId xmlns:a16="http://schemas.microsoft.com/office/drawing/2014/main" id="{23C41233-47C7-FB8C-4B0F-5A8B13E97CE2}"/>
               </a:ext>
             </a:extLst>
           </p:cNvPr>
@@ -14073,8 +14079,8 @@
         </p:nvSpPr>
         <p:spPr>
           <a:xfrm>
-            <a:off x="2104158" y="3109119"/>
-            <a:ext cx="8517177" cy="676532"/>
+            <a:off x="698715" y="1494215"/>
+            <a:ext cx="11033501" cy="4719690"/>
           </a:xfrm>
           <a:prstGeom prst="rect">
             <a:avLst/>
@@ -14082,66 +14088,242 @@
           <a:noFill/>
         </p:spPr>
         <p:txBody>
-          <a:bodyPr wrap="square" rtlCol="0" anchor="ctr">
+          <a:bodyPr wrap="square" rtlCol="0">
             <a:spAutoFit/>
           </a:bodyPr>
           <a:lstStyle/>
           <a:p>
-            <a:pPr algn="ctr">
+            <a:pPr algn="just">
               <a:lnSpc>
                 <a:spcPct val="150000"/>
               </a:lnSpc>
             </a:pPr>
             <a:r>
-              <a:rPr lang="pt-BR" sz="2800" i="1" dirty="0">
-                <a:hlinkClick r:id="rId2"/>
+              <a:rPr lang="pt-BR" sz="1600" b="1" u="sng" dirty="0"/>
+              <a:t>Perceptron</a:t>
+            </a:r>
+            <a:r>
+              <a:rPr lang="pt-BR" sz="1600" b="1" dirty="0"/>
+              <a:t>: </a:t>
+            </a:r>
+          </a:p>
+          <a:p>
+            <a:pPr marL="285750" indent="-285750" algn="just">
+              <a:lnSpc>
+                <a:spcPct val="150000"/>
+              </a:lnSpc>
+              <a:buFont typeface="Arial" panose="020B0604020202020204" pitchFamily="34" charset="0"/>
+              <a:buChar char="•"/>
+            </a:pPr>
+            <a:r>
+              <a:rPr lang="pt-BR" sz="1600" dirty="0"/>
+              <a:t>O tipo mais simples de rede neural (1 única camada/nó/neurônio) ;</a:t>
+            </a:r>
+          </a:p>
+          <a:p>
+            <a:pPr marL="285750" indent="-285750" algn="just">
+              <a:lnSpc>
+                <a:spcPct val="150000"/>
+              </a:lnSpc>
+              <a:buFont typeface="Arial" panose="020B0604020202020204" pitchFamily="34" charset="0"/>
+              <a:buChar char="•"/>
+            </a:pPr>
+            <a:r>
+              <a:rPr lang="pt-BR" sz="1600" dirty="0"/>
+              <a:t>Utilizado principalmente para problemas de classificação linear.</a:t>
+            </a:r>
+          </a:p>
+          <a:p>
+            <a:pPr marL="285750" indent="-285750" algn="just">
+              <a:lnSpc>
+                <a:spcPct val="150000"/>
+              </a:lnSpc>
+              <a:buFont typeface="Arial" panose="020B0604020202020204" pitchFamily="34" charset="0"/>
+              <a:buChar char="•"/>
+            </a:pPr>
+            <a:endParaRPr lang="pt-BR" sz="500" dirty="0"/>
+          </a:p>
+          <a:p>
+            <a:pPr algn="just">
+              <a:lnSpc>
+                <a:spcPct val="150000"/>
+              </a:lnSpc>
+            </a:pPr>
+            <a:r>
+              <a:rPr lang="pt-BR" sz="1600" b="1" u="sng" dirty="0"/>
+              <a:t>Redes Neurais Feedforward (FNN)</a:t>
+            </a:r>
+            <a:r>
+              <a:rPr lang="pt-BR" sz="1600" b="1" dirty="0"/>
+              <a:t>: </a:t>
+            </a:r>
+          </a:p>
+          <a:p>
+            <a:pPr marL="285750" indent="-285750" algn="just">
+              <a:lnSpc>
+                <a:spcPct val="150000"/>
+              </a:lnSpc>
+              <a:buFont typeface="Arial" panose="020B0604020202020204" pitchFamily="34" charset="0"/>
+              <a:buChar char="•"/>
+            </a:pPr>
+            <a:r>
+              <a:rPr lang="pt-BR" sz="1600" dirty="0"/>
+              <a:t>Redes onde os dados fluem em uma única direção (entrada </a:t>
+            </a:r>
+            <a:r>
+              <a:rPr lang="pt-BR" sz="1600" dirty="0">
+                <a:sym typeface="Wingdings" panose="05000000000000000000" pitchFamily="2" charset="2"/>
               </a:rPr>
-              <a:t>https://playground.tensorflow.org/</a:t>
-            </a:r>
-            <a:endParaRPr lang="pt-BR" sz="2800" dirty="0"/>
-          </a:p>
-        </p:txBody>
-      </p:sp>
-      <p:pic>
-        <p:nvPicPr>
-          <p:cNvPr id="7" name="Gráfico 6" descr="Processador com preenchimento sólido">
-            <a:extLst>
-              <a:ext uri="{FF2B5EF4-FFF2-40B4-BE49-F238E27FC236}">
-                <a16:creationId xmlns:a16="http://schemas.microsoft.com/office/drawing/2014/main" id="{B9C5C48E-2C24-EC30-1801-77FF3735EDC5}"/>
-              </a:ext>
-            </a:extLst>
-          </p:cNvPr>
-          <p:cNvPicPr>
-            <a:picLocks noChangeAspect="1"/>
-          </p:cNvPicPr>
-          <p:nvPr/>
-        </p:nvPicPr>
-        <p:blipFill>
-          <a:blip r:embed="rId3">
-            <a:extLst>
-              <a:ext uri="{96DAC541-7B7A-43D3-8B79-37D633B846F1}">
-                <asvg:svgBlip xmlns:asvg="http://schemas.microsoft.com/office/drawing/2016/SVG/main" r:embed="rId4"/>
-              </a:ext>
-            </a:extLst>
-          </a:blip>
-          <a:stretch>
-            <a:fillRect/>
-          </a:stretch>
-        </p:blipFill>
-        <p:spPr>
-          <a:xfrm>
-            <a:off x="2809581" y="3109119"/>
-            <a:ext cx="795466" cy="795466"/>
-          </a:xfrm>
-          <a:prstGeom prst="rect">
-            <a:avLst/>
-          </a:prstGeom>
-        </p:spPr>
-      </p:pic>
+              <a:t> saúda)</a:t>
+            </a:r>
+            <a:r>
+              <a:rPr lang="pt-BR" sz="1600" dirty="0"/>
+              <a:t> sem ciclos ou </a:t>
+            </a:r>
+            <a:r>
+              <a:rPr lang="pt-BR" sz="1600" i="1" dirty="0"/>
+              <a:t>loops;</a:t>
+            </a:r>
+          </a:p>
+          <a:p>
+            <a:pPr marL="285750" indent="-285750" algn="just">
+              <a:lnSpc>
+                <a:spcPct val="150000"/>
+              </a:lnSpc>
+              <a:buFont typeface="Arial" panose="020B0604020202020204" pitchFamily="34" charset="0"/>
+              <a:buChar char="•"/>
+            </a:pPr>
+            <a:r>
+              <a:rPr lang="pt-BR" sz="1600" dirty="0"/>
+              <a:t>Incluem Perceptrons Multicamadas (MLPs).</a:t>
+            </a:r>
+          </a:p>
+          <a:p>
+            <a:pPr marL="285750" indent="-285750" algn="just">
+              <a:lnSpc>
+                <a:spcPct val="150000"/>
+              </a:lnSpc>
+              <a:buFont typeface="Arial" panose="020B0604020202020204" pitchFamily="34" charset="0"/>
+              <a:buChar char="•"/>
+            </a:pPr>
+            <a:endParaRPr lang="pt-BR" sz="500" dirty="0"/>
+          </a:p>
+          <a:p>
+            <a:pPr algn="just">
+              <a:lnSpc>
+                <a:spcPct val="150000"/>
+              </a:lnSpc>
+            </a:pPr>
+            <a:r>
+              <a:rPr lang="pt-BR" sz="1600" b="1" u="sng" dirty="0"/>
+              <a:t>Redes Neurais Convolucionais (CNN)</a:t>
+            </a:r>
+            <a:r>
+              <a:rPr lang="pt-BR" sz="1600" b="1" dirty="0"/>
+              <a:t>: </a:t>
+            </a:r>
+            <a:r>
+              <a:rPr lang="pt-BR" sz="1600" dirty="0"/>
+              <a:t>processamento de imagens e reconhecimento de padrões. </a:t>
+            </a:r>
+          </a:p>
+          <a:p>
+            <a:pPr marL="285750" indent="-285750" algn="just">
+              <a:lnSpc>
+                <a:spcPct val="150000"/>
+              </a:lnSpc>
+              <a:buFont typeface="Arial" panose="020B0604020202020204" pitchFamily="34" charset="0"/>
+              <a:buChar char="•"/>
+            </a:pPr>
+            <a:endParaRPr lang="pt-BR" sz="500" dirty="0"/>
+          </a:p>
+          <a:p>
+            <a:pPr algn="just">
+              <a:lnSpc>
+                <a:spcPct val="150000"/>
+              </a:lnSpc>
+            </a:pPr>
+            <a:r>
+              <a:rPr lang="pt-BR" sz="1600" b="1" u="sng" dirty="0"/>
+              <a:t>Redes Neurais Recorrentes (RNN)</a:t>
+            </a:r>
+            <a:r>
+              <a:rPr lang="pt-BR" sz="1600" b="1" dirty="0"/>
+              <a:t>: </a:t>
+            </a:r>
+            <a:r>
+              <a:rPr lang="pt-BR" sz="1600" dirty="0"/>
+              <a:t>projetadas para processar sequências de dados, como séries temporais ou texto.</a:t>
+            </a:r>
+          </a:p>
+          <a:p>
+            <a:pPr algn="just">
+              <a:lnSpc>
+                <a:spcPct val="150000"/>
+              </a:lnSpc>
+            </a:pPr>
+            <a:endParaRPr lang="pt-BR" sz="500" dirty="0"/>
+          </a:p>
+          <a:p>
+            <a:pPr algn="just">
+              <a:lnSpc>
+                <a:spcPct val="150000"/>
+              </a:lnSpc>
+            </a:pPr>
+            <a:r>
+              <a:rPr lang="en-US" sz="1600" b="1" u="sng" dirty="0"/>
+              <a:t>Long Short-Term Memory (LSTM)</a:t>
+            </a:r>
+            <a:r>
+              <a:rPr lang="en-US" sz="1600" b="1" dirty="0"/>
+              <a:t>:</a:t>
+            </a:r>
+            <a:r>
+              <a:rPr lang="pt-BR" sz="1600" b="1" dirty="0"/>
+              <a:t> </a:t>
+            </a:r>
+            <a:r>
+              <a:rPr lang="pt-BR" sz="1600" dirty="0"/>
+              <a:t>variação da RNN que resolve problemas de dependência de longo prazo.</a:t>
+            </a:r>
+          </a:p>
+          <a:p>
+            <a:pPr algn="just">
+              <a:lnSpc>
+                <a:spcPct val="150000"/>
+              </a:lnSpc>
+            </a:pPr>
+            <a:endParaRPr lang="pt-BR" sz="600" b="1" dirty="0"/>
+          </a:p>
+          <a:p>
+            <a:pPr algn="just">
+              <a:lnSpc>
+                <a:spcPct val="150000"/>
+              </a:lnSpc>
+            </a:pPr>
+            <a:r>
+              <a:rPr lang="pt-BR" sz="1600" b="1" u="sng" dirty="0"/>
+              <a:t>Redes Neurais de Memória a Curto Prazo (GRU</a:t>
+            </a:r>
+            <a:r>
+              <a:rPr lang="pt-BR" sz="1600" b="1" i="1" dirty="0"/>
+              <a:t>)</a:t>
+            </a:r>
+            <a:r>
+              <a:rPr lang="pt-BR" sz="1600" b="1" dirty="0"/>
+              <a:t>: </a:t>
+            </a:r>
+            <a:r>
+              <a:rPr lang="pt-BR" sz="1600" dirty="0"/>
+              <a:t>outra variação de RNN com uma arquitetura mais simples e menos parâmetros.</a:t>
+            </a:r>
+          </a:p>
+        </p:txBody>
+      </p:sp>
     </p:spTree>
     <p:extLst>
       <p:ext uri="{BB962C8B-B14F-4D97-AF65-F5344CB8AC3E}">
-        <p14:creationId xmlns:p14="http://schemas.microsoft.com/office/powerpoint/2010/main" val="2338394085"/>
+        <p14:creationId xmlns:p14="http://schemas.microsoft.com/office/powerpoint/2010/main" val="2783958140"/>
       </p:ext>
     </p:extLst>
   </p:cSld>
@@ -14272,10 +14454,11 @@
           <a:bodyPr/>
           <a:lstStyle/>
           <a:p>
-            <a:r>
-              <a:rPr lang="pt-BR" dirty="0"/>
-              <a:t>3</a:t>
-            </a:r>
+            <a:fld id="{100E1BD7-A6F2-47E2-ACB3-3469C810C63E}" type="slidenum">
+              <a:rPr lang="pt-BR" smtClean="0"/>
+              <a:t>4</a:t>
+            </a:fld>
+            <a:endParaRPr lang="pt-BR"/>
           </a:p>
         </p:txBody>
       </p:sp>
@@ -14293,8 +14476,8 @@
         </p:nvSpPr>
         <p:spPr>
           <a:xfrm>
-            <a:off x="698715" y="1494215"/>
-            <a:ext cx="11033501" cy="4719690"/>
+            <a:off x="1152686" y="1619905"/>
+            <a:ext cx="9886627" cy="4904356"/>
           </a:xfrm>
           <a:prstGeom prst="rect">
             <a:avLst/>
@@ -14314,11 +14497,11 @@
             </a:pPr>
             <a:r>
               <a:rPr lang="pt-BR" sz="1600" b="1" u="sng" dirty="0"/>
-              <a:t>Perceptron</a:t>
+              <a:t>Redes Neurais de Base Radial (RBF):</a:t>
             </a:r>
             <a:r>
               <a:rPr lang="pt-BR" sz="1600" b="1" dirty="0"/>
-              <a:t>: </a:t>
+              <a:t> </a:t>
             </a:r>
           </a:p>
           <a:p>
@@ -14331,7 +14514,7 @@
             </a:pPr>
             <a:r>
               <a:rPr lang="pt-BR" sz="1600" dirty="0"/>
-              <a:t>O tipo mais simples de rede neural (1 única camada/nó/neurônio) ;</a:t>
+              <a:t>Utilizam funções de base radial como funções de ativação;</a:t>
             </a:r>
           </a:p>
           <a:p>
@@ -14344,7 +14527,7 @@
             </a:pPr>
             <a:r>
               <a:rPr lang="pt-BR" sz="1600" dirty="0"/>
-              <a:t>Utilizado principalmente para problemas de classificação linear.</a:t>
+              <a:t>Eficazes em problemas de classificação e regressão onde os dados têm um padrão radial.</a:t>
             </a:r>
           </a:p>
           <a:p>
@@ -14355,7 +14538,7 @@
               <a:buFont typeface="Arial" panose="020B0604020202020204" pitchFamily="34" charset="0"/>
               <a:buChar char="•"/>
             </a:pPr>
-            <a:endParaRPr lang="pt-BR" sz="500" dirty="0"/>
+            <a:endParaRPr lang="pt-BR" sz="600" dirty="0"/>
           </a:p>
           <a:p>
             <a:pPr algn="just">
@@ -14365,7 +14548,7 @@
             </a:pPr>
             <a:r>
               <a:rPr lang="pt-BR" sz="1600" b="1" u="sng" dirty="0"/>
-              <a:t>Redes Neurais Feedforward (FNN)</a:t>
+              <a:t>Redes Neurais Generativas Adversárias (GAN)</a:t>
             </a:r>
             <a:r>
               <a:rPr lang="pt-BR" sz="1600" b="1" dirty="0"/>
@@ -14382,21 +14565,7 @@
             </a:pPr>
             <a:r>
               <a:rPr lang="pt-BR" sz="1600" dirty="0"/>
-              <a:t>Redes onde os dados fluem em uma única direção (entrada </a:t>
-            </a:r>
-            <a:r>
-              <a:rPr lang="pt-BR" sz="1600" dirty="0">
-                <a:sym typeface="Wingdings" panose="05000000000000000000" pitchFamily="2" charset="2"/>
-              </a:rPr>
-              <a:t> saúda)</a:t>
-            </a:r>
-            <a:r>
-              <a:rPr lang="pt-BR" sz="1600" dirty="0"/>
-              <a:t> sem ciclos ou </a:t>
-            </a:r>
-            <a:r>
-              <a:rPr lang="pt-BR" sz="1600" i="1" dirty="0"/>
-              <a:t>loops;</a:t>
+              <a:t>constituídas por duas redes (o gerador e o discriminador) que competem entre si.</a:t>
             </a:r>
           </a:p>
           <a:p>
@@ -14409,7 +14578,7 @@
             </a:pPr>
             <a:r>
               <a:rPr lang="pt-BR" sz="1600" dirty="0"/>
-              <a:t>Incluem Perceptrons Multicamadas (MLPs).</a:t>
+              <a:t>Utilizadas para gerar dados sintéticos, como imagens e textos realistas.</a:t>
             </a:r>
           </a:p>
           <a:p>
@@ -14420,7 +14589,7 @@
               <a:buFont typeface="Arial" panose="020B0604020202020204" pitchFamily="34" charset="0"/>
               <a:buChar char="•"/>
             </a:pPr>
-            <a:endParaRPr lang="pt-BR" sz="500" dirty="0"/>
+            <a:endParaRPr lang="pt-BR" sz="600" u="sng" dirty="0"/>
           </a:p>
           <a:p>
             <a:pPr algn="just">
@@ -14430,15 +14599,11 @@
             </a:pPr>
             <a:r>
               <a:rPr lang="pt-BR" sz="1600" b="1" u="sng" dirty="0"/>
-              <a:t>Redes Neurais Convolucionais (CNN)</a:t>
+              <a:t>Autoencoders</a:t>
             </a:r>
             <a:r>
               <a:rPr lang="pt-BR" sz="1600" b="1" dirty="0"/>
               <a:t>: </a:t>
-            </a:r>
-            <a:r>
-              <a:rPr lang="pt-BR" sz="1600" dirty="0"/>
-              <a:t>processamento de imagens e reconhecimento de padrões. </a:t>
             </a:r>
           </a:p>
           <a:p>
@@ -14449,7 +14614,33 @@
               <a:buFont typeface="Arial" panose="020B0604020202020204" pitchFamily="34" charset="0"/>
               <a:buChar char="•"/>
             </a:pPr>
-            <a:endParaRPr lang="pt-BR" sz="500" dirty="0"/>
+            <a:r>
+              <a:rPr lang="pt-BR" sz="1600" dirty="0"/>
+              <a:t>Projetadas para aprender representações eficientes dos dados;</a:t>
+            </a:r>
+          </a:p>
+          <a:p>
+            <a:pPr marL="285750" indent="-285750" algn="just">
+              <a:lnSpc>
+                <a:spcPct val="150000"/>
+              </a:lnSpc>
+              <a:buFont typeface="Arial" panose="020B0604020202020204" pitchFamily="34" charset="0"/>
+              <a:buChar char="•"/>
+            </a:pPr>
+            <a:r>
+              <a:rPr lang="pt-BR" sz="1600" dirty="0"/>
+              <a:t>Frequentemente usadas para redução de dimensionalidade ou detecção de anomalias.</a:t>
+            </a:r>
+          </a:p>
+          <a:p>
+            <a:pPr marL="285750" indent="-285750" algn="just">
+              <a:lnSpc>
+                <a:spcPct val="150000"/>
+              </a:lnSpc>
+              <a:buFont typeface="Arial" panose="020B0604020202020204" pitchFamily="34" charset="0"/>
+              <a:buChar char="•"/>
+            </a:pPr>
+            <a:endParaRPr lang="pt-BR" sz="600" u="sng" dirty="0"/>
           </a:p>
           <a:p>
             <a:pPr algn="just">
@@ -14459,15 +14650,11 @@
             </a:pPr>
             <a:r>
               <a:rPr lang="pt-BR" sz="1600" b="1" u="sng" dirty="0"/>
-              <a:t>Redes Neurais Recorrentes (RNN)</a:t>
+              <a:t>Transformers</a:t>
             </a:r>
             <a:r>
               <a:rPr lang="pt-BR" sz="1600" b="1" dirty="0"/>
               <a:t>: </a:t>
-            </a:r>
-            <a:r>
-              <a:rPr lang="pt-BR" sz="1600" dirty="0"/>
-              <a:t>projetadas para processar sequências de dados, como séries temporais ou texto.</a:t>
             </a:r>
           </a:p>
           <a:p>
@@ -14476,7 +14663,10 @@
                 <a:spcPct val="150000"/>
               </a:lnSpc>
             </a:pPr>
-            <a:endParaRPr lang="pt-BR" sz="500" dirty="0"/>
+            <a:r>
+              <a:rPr lang="pt-BR" sz="1600" dirty="0"/>
+              <a:t>Recentemente populares em processamento de linguagem natural (NLP); </a:t>
+            </a:r>
           </a:p>
           <a:p>
             <a:pPr algn="just">
@@ -14485,51 +14675,8 @@
               </a:lnSpc>
             </a:pPr>
             <a:r>
-              <a:rPr lang="en-US" sz="1600" b="1" u="sng" dirty="0"/>
-              <a:t>Long Short-Term Memory (LSTM)</a:t>
-            </a:r>
-            <a:r>
-              <a:rPr lang="en-US" sz="1600" b="1" dirty="0"/>
-              <a:t>:</a:t>
-            </a:r>
-            <a:r>
-              <a:rPr lang="pt-BR" sz="1600" b="1" dirty="0"/>
-              <a:t> </a:t>
-            </a:r>
-            <a:r>
               <a:rPr lang="pt-BR" sz="1600" dirty="0"/>
-              <a:t>variação da RNN que resolve problemas de dependência de longo prazo.</a:t>
-            </a:r>
-          </a:p>
-          <a:p>
-            <a:pPr algn="just">
-              <a:lnSpc>
-                <a:spcPct val="150000"/>
-              </a:lnSpc>
-            </a:pPr>
-            <a:endParaRPr lang="pt-BR" sz="600" b="1" dirty="0"/>
-          </a:p>
-          <a:p>
-            <a:pPr algn="just">
-              <a:lnSpc>
-                <a:spcPct val="150000"/>
-              </a:lnSpc>
-            </a:pPr>
-            <a:r>
-              <a:rPr lang="pt-BR" sz="1600" b="1" u="sng" dirty="0"/>
-              <a:t>Redes Neurais de Memória a Curto Prazo (GRU</a:t>
-            </a:r>
-            <a:r>
-              <a:rPr lang="pt-BR" sz="1600" b="1" i="1" dirty="0"/>
-              <a:t>)</a:t>
-            </a:r>
-            <a:r>
-              <a:rPr lang="pt-BR" sz="1600" b="1" dirty="0"/>
-              <a:t>: </a:t>
-            </a:r>
-            <a:r>
-              <a:rPr lang="pt-BR" sz="1600" dirty="0"/>
-              <a:t>outra variação de RNN com uma arquitetura mais simples e menos parâmetros.</a:t>
+              <a:t>Utilizam mecanismos de atenção para capturar relações entre diferentes partes de uma sequência de dados.</a:t>
             </a:r>
           </a:p>
         </p:txBody>
@@ -14537,7 +14684,7 @@
     </p:spTree>
     <p:extLst>
       <p:ext uri="{BB962C8B-B14F-4D97-AF65-F5344CB8AC3E}">
-        <p14:creationId xmlns:p14="http://schemas.microsoft.com/office/powerpoint/2010/main" val="2783958140"/>
+        <p14:creationId xmlns:p14="http://schemas.microsoft.com/office/powerpoint/2010/main" val="2958209784"/>
       </p:ext>
     </p:extLst>
   </p:cSld>
@@ -14587,7 +14734,7 @@
           <a:p>
             <a:r>
               <a:rPr lang="pt-BR" b="1" dirty="0"/>
-              <a:t>Tipos de redes neurais</a:t>
+              <a:t>Perceptron multicamada</a:t>
             </a:r>
           </a:p>
         </p:txBody>
@@ -14649,10 +14796,10 @@
       </p:sp>
       <p:sp>
         <p:nvSpPr>
-          <p:cNvPr id="5" name="Espaço Reservado para Número de Slide 4">
-            <a:extLst>
-              <a:ext uri="{FF2B5EF4-FFF2-40B4-BE49-F238E27FC236}">
-                <a16:creationId xmlns:a16="http://schemas.microsoft.com/office/drawing/2014/main" id="{D416299F-8052-567E-AB96-8DD159F8779D}"/>
+          <p:cNvPr id="4" name="Espaço Reservado para Número de Slide 3">
+            <a:extLst>
+              <a:ext uri="{FF2B5EF4-FFF2-40B4-BE49-F238E27FC236}">
+                <a16:creationId xmlns:a16="http://schemas.microsoft.com/office/drawing/2014/main" id="{A4734C9A-0B50-C641-C135-685FC196FC91}"/>
               </a:ext>
             </a:extLst>
           </p:cNvPr>
@@ -14678,10 +14825,10 @@
       </p:sp>
       <p:sp>
         <p:nvSpPr>
-          <p:cNvPr id="9" name="TextBox 8">
-            <a:extLst>
-              <a:ext uri="{FF2B5EF4-FFF2-40B4-BE49-F238E27FC236}">
-                <a16:creationId xmlns:a16="http://schemas.microsoft.com/office/drawing/2014/main" id="{23C41233-47C7-FB8C-4B0F-5A8B13E97CE2}"/>
+          <p:cNvPr id="10" name="TextBox 9">
+            <a:extLst>
+              <a:ext uri="{FF2B5EF4-FFF2-40B4-BE49-F238E27FC236}">
+                <a16:creationId xmlns:a16="http://schemas.microsoft.com/office/drawing/2014/main" id="{A7EDF08E-16C3-C488-6186-6F69B8F1D98E}"/>
               </a:ext>
             </a:extLst>
           </p:cNvPr>
@@ -14690,8 +14837,8 @@
         </p:nvSpPr>
         <p:spPr>
           <a:xfrm>
-            <a:off x="1152686" y="1619905"/>
-            <a:ext cx="9886627" cy="4904356"/>
+            <a:off x="1999766" y="5798706"/>
+            <a:ext cx="8192467" cy="307777"/>
           </a:xfrm>
           <a:prstGeom prst="rect">
             <a:avLst/>
@@ -14704,201 +14851,56 @@
           </a:bodyPr>
           <a:lstStyle/>
           <a:p>
-            <a:pPr algn="just">
-              <a:lnSpc>
-                <a:spcPct val="150000"/>
-              </a:lnSpc>
-            </a:pPr>
-            <a:r>
-              <a:rPr lang="pt-BR" sz="1600" b="1" u="sng" dirty="0"/>
-              <a:t>Redes Neurais de Base Radial (RBF):</a:t>
-            </a:r>
-            <a:r>
-              <a:rPr lang="pt-BR" sz="1600" b="1" dirty="0"/>
-              <a:t> </a:t>
-            </a:r>
-          </a:p>
-          <a:p>
-            <a:pPr marL="285750" indent="-285750" algn="just">
-              <a:lnSpc>
-                <a:spcPct val="150000"/>
-              </a:lnSpc>
-              <a:buFont typeface="Arial" panose="020B0604020202020204" pitchFamily="34" charset="0"/>
-              <a:buChar char="•"/>
-            </a:pPr>
-            <a:r>
-              <a:rPr lang="pt-BR" sz="1600" dirty="0"/>
-              <a:t>Utilizam funções de base radial como funções de ativação;</a:t>
-            </a:r>
-          </a:p>
-          <a:p>
-            <a:pPr marL="285750" indent="-285750" algn="just">
-              <a:lnSpc>
-                <a:spcPct val="150000"/>
-              </a:lnSpc>
-              <a:buFont typeface="Arial" panose="020B0604020202020204" pitchFamily="34" charset="0"/>
-              <a:buChar char="•"/>
-            </a:pPr>
-            <a:r>
-              <a:rPr lang="pt-BR" sz="1600" dirty="0"/>
-              <a:t>Eficazes em problemas de classificação e regressão onde os dados têm um padrão radial.</a:t>
-            </a:r>
-          </a:p>
-          <a:p>
-            <a:pPr marL="285750" indent="-285750" algn="just">
-              <a:lnSpc>
-                <a:spcPct val="150000"/>
-              </a:lnSpc>
-              <a:buFont typeface="Arial" panose="020B0604020202020204" pitchFamily="34" charset="0"/>
-              <a:buChar char="•"/>
-            </a:pPr>
-            <a:endParaRPr lang="pt-BR" sz="600" dirty="0"/>
-          </a:p>
-          <a:p>
-            <a:pPr algn="just">
-              <a:lnSpc>
-                <a:spcPct val="150000"/>
-              </a:lnSpc>
-            </a:pPr>
-            <a:r>
-              <a:rPr lang="pt-BR" sz="1600" b="1" u="sng" dirty="0"/>
-              <a:t>Redes Neurais Generativas Adversárias (GAN)</a:t>
-            </a:r>
-            <a:r>
-              <a:rPr lang="pt-BR" sz="1600" b="1" dirty="0"/>
-              <a:t>: </a:t>
-            </a:r>
-          </a:p>
-          <a:p>
-            <a:pPr marL="285750" indent="-285750" algn="just">
-              <a:lnSpc>
-                <a:spcPct val="150000"/>
-              </a:lnSpc>
-              <a:buFont typeface="Arial" panose="020B0604020202020204" pitchFamily="34" charset="0"/>
-              <a:buChar char="•"/>
-            </a:pPr>
-            <a:r>
-              <a:rPr lang="pt-BR" sz="1600" dirty="0"/>
-              <a:t>constituídas por duas redes (o gerador e o discriminador) que competem entre si.</a:t>
-            </a:r>
-          </a:p>
-          <a:p>
-            <a:pPr marL="285750" indent="-285750" algn="just">
-              <a:lnSpc>
-                <a:spcPct val="150000"/>
-              </a:lnSpc>
-              <a:buFont typeface="Arial" panose="020B0604020202020204" pitchFamily="34" charset="0"/>
-              <a:buChar char="•"/>
-            </a:pPr>
-            <a:r>
-              <a:rPr lang="pt-BR" sz="1600" dirty="0"/>
-              <a:t>Utilizadas para gerar dados sintéticos, como imagens e textos realistas.</a:t>
-            </a:r>
-          </a:p>
-          <a:p>
-            <a:pPr marL="285750" indent="-285750" algn="just">
-              <a:lnSpc>
-                <a:spcPct val="150000"/>
-              </a:lnSpc>
-              <a:buFont typeface="Arial" panose="020B0604020202020204" pitchFamily="34" charset="0"/>
-              <a:buChar char="•"/>
-            </a:pPr>
-            <a:endParaRPr lang="pt-BR" sz="600" u="sng" dirty="0"/>
-          </a:p>
-          <a:p>
-            <a:pPr algn="just">
-              <a:lnSpc>
-                <a:spcPct val="150000"/>
-              </a:lnSpc>
-            </a:pPr>
-            <a:r>
-              <a:rPr lang="pt-BR" sz="1600" b="1" u="sng" dirty="0"/>
-              <a:t>Autoencoders</a:t>
-            </a:r>
-            <a:r>
-              <a:rPr lang="pt-BR" sz="1600" b="1" dirty="0"/>
-              <a:t>: </a:t>
-            </a:r>
-          </a:p>
-          <a:p>
-            <a:pPr marL="285750" indent="-285750" algn="just">
-              <a:lnSpc>
-                <a:spcPct val="150000"/>
-              </a:lnSpc>
-              <a:buFont typeface="Arial" panose="020B0604020202020204" pitchFamily="34" charset="0"/>
-              <a:buChar char="•"/>
-            </a:pPr>
-            <a:r>
-              <a:rPr lang="pt-BR" sz="1600" dirty="0"/>
-              <a:t>Projetadas para aprender representações eficientes dos dados;</a:t>
-            </a:r>
-          </a:p>
-          <a:p>
-            <a:pPr marL="285750" indent="-285750" algn="just">
-              <a:lnSpc>
-                <a:spcPct val="150000"/>
-              </a:lnSpc>
-              <a:buFont typeface="Arial" panose="020B0604020202020204" pitchFamily="34" charset="0"/>
-              <a:buChar char="•"/>
-            </a:pPr>
-            <a:r>
-              <a:rPr lang="pt-BR" sz="1600" dirty="0"/>
-              <a:t>Frequentemente usadas para redução de dimensionalidade ou detecção de anomalias.</a:t>
-            </a:r>
-          </a:p>
-          <a:p>
-            <a:pPr marL="285750" indent="-285750" algn="just">
-              <a:lnSpc>
-                <a:spcPct val="150000"/>
-              </a:lnSpc>
-              <a:buFont typeface="Arial" panose="020B0604020202020204" pitchFamily="34" charset="0"/>
-              <a:buChar char="•"/>
-            </a:pPr>
-            <a:endParaRPr lang="pt-BR" sz="600" u="sng" dirty="0"/>
-          </a:p>
-          <a:p>
-            <a:pPr algn="just">
-              <a:lnSpc>
-                <a:spcPct val="150000"/>
-              </a:lnSpc>
-            </a:pPr>
-            <a:r>
-              <a:rPr lang="pt-BR" sz="1600" b="1" u="sng" dirty="0"/>
-              <a:t>Transformers</a:t>
-            </a:r>
-            <a:r>
-              <a:rPr lang="pt-BR" sz="1600" b="1" dirty="0"/>
-              <a:t>: </a:t>
-            </a:r>
-          </a:p>
-          <a:p>
-            <a:pPr algn="just">
-              <a:lnSpc>
-                <a:spcPct val="150000"/>
-              </a:lnSpc>
-            </a:pPr>
-            <a:r>
-              <a:rPr lang="pt-BR" sz="1600" dirty="0"/>
-              <a:t>Recentemente populares em processamento de linguagem natural (NLP); </a:t>
-            </a:r>
-          </a:p>
-          <a:p>
-            <a:pPr algn="just">
-              <a:lnSpc>
-                <a:spcPct val="150000"/>
-              </a:lnSpc>
-            </a:pPr>
-            <a:r>
-              <a:rPr lang="pt-BR" sz="1600" dirty="0"/>
-              <a:t>Utilizam mecanismos de atenção para capturar relações entre diferentes partes de uma sequência de dados.</a:t>
-            </a:r>
-          </a:p>
-        </p:txBody>
-      </p:sp>
+            <a:r>
+              <a:rPr lang="en-US" sz="1400" dirty="0"/>
+              <a:t>ELGENDY, Mohamed. </a:t>
+            </a:r>
+            <a:r>
+              <a:rPr lang="en-US" sz="1400" b="1" dirty="0"/>
+              <a:t>Deep Learning for Vision Systems</a:t>
+            </a:r>
+            <a:r>
+              <a:rPr lang="en-US" sz="1400" dirty="0"/>
+              <a:t>. Shelter Island: Manning Publications, 2020.</a:t>
+            </a:r>
+            <a:endParaRPr lang="pt-BR" sz="1400" dirty="0"/>
+          </a:p>
+        </p:txBody>
+      </p:sp>
+      <p:pic>
+        <p:nvPicPr>
+          <p:cNvPr id="12" name="Picture 11">
+            <a:extLst>
+              <a:ext uri="{FF2B5EF4-FFF2-40B4-BE49-F238E27FC236}">
+                <a16:creationId xmlns:a16="http://schemas.microsoft.com/office/drawing/2014/main" id="{3BC03BC3-4AA5-FF44-7601-DD6AA7E8FA8E}"/>
+              </a:ext>
+            </a:extLst>
+          </p:cNvPr>
+          <p:cNvPicPr>
+            <a:picLocks noChangeAspect="1"/>
+          </p:cNvPicPr>
+          <p:nvPr/>
+        </p:nvPicPr>
+        <p:blipFill>
+          <a:blip r:embed="rId2"/>
+          <a:stretch>
+            <a:fillRect/>
+          </a:stretch>
+        </p:blipFill>
+        <p:spPr>
+          <a:xfrm>
+            <a:off x="2224491" y="1588095"/>
+            <a:ext cx="7743016" cy="4085677"/>
+          </a:xfrm>
+          <a:prstGeom prst="rect">
+            <a:avLst/>
+          </a:prstGeom>
+        </p:spPr>
+      </p:pic>
     </p:spTree>
     <p:extLst>
       <p:ext uri="{BB962C8B-B14F-4D97-AF65-F5344CB8AC3E}">
-        <p14:creationId xmlns:p14="http://schemas.microsoft.com/office/powerpoint/2010/main" val="2958209784"/>
+        <p14:creationId xmlns:p14="http://schemas.microsoft.com/office/powerpoint/2010/main" val="1073254456"/>
       </p:ext>
     </p:extLst>
   </p:cSld>
@@ -14925,34 +14927,6 @@
           <a:chExt cx="0" cy="0"/>
         </a:xfrm>
       </p:grpSpPr>
-      <p:sp>
-        <p:nvSpPr>
-          <p:cNvPr id="2" name="Título 1">
-            <a:extLst>
-              <a:ext uri="{FF2B5EF4-FFF2-40B4-BE49-F238E27FC236}">
-                <a16:creationId xmlns:a16="http://schemas.microsoft.com/office/drawing/2014/main" id="{BFC061CD-8025-7E8A-76C8-26AC09C7E85D}"/>
-              </a:ext>
-            </a:extLst>
-          </p:cNvPr>
-          <p:cNvSpPr>
-            <a:spLocks noGrp="1"/>
-          </p:cNvSpPr>
-          <p:nvPr>
-            <p:ph type="title"/>
-          </p:nvPr>
-        </p:nvSpPr>
-        <p:spPr/>
-        <p:txBody>
-          <a:bodyPr/>
-          <a:lstStyle/>
-          <a:p>
-            <a:r>
-              <a:rPr lang="pt-BR" b="1" dirty="0"/>
-              <a:t>Perceptron multicamada</a:t>
-            </a:r>
-          </a:p>
-        </p:txBody>
-      </p:sp>
       <p:sp>
         <p:nvSpPr>
           <p:cNvPr id="6" name="Retângulo 5">
@@ -15013,7 +14987,7 @@
           <p:cNvPr id="4" name="Espaço Reservado para Número de Slide 3">
             <a:extLst>
               <a:ext uri="{FF2B5EF4-FFF2-40B4-BE49-F238E27FC236}">
-                <a16:creationId xmlns:a16="http://schemas.microsoft.com/office/drawing/2014/main" id="{A4734C9A-0B50-C641-C135-685FC196FC91}"/>
+                <a16:creationId xmlns:a16="http://schemas.microsoft.com/office/drawing/2014/main" id="{1A1582B6-145D-0C8B-C335-D471D444DA79}"/>
               </a:ext>
             </a:extLst>
           </p:cNvPr>
@@ -15039,10 +15013,10 @@
       </p:sp>
       <p:sp>
         <p:nvSpPr>
-          <p:cNvPr id="10" name="TextBox 9">
-            <a:extLst>
-              <a:ext uri="{FF2B5EF4-FFF2-40B4-BE49-F238E27FC236}">
-                <a16:creationId xmlns:a16="http://schemas.microsoft.com/office/drawing/2014/main" id="{A7EDF08E-16C3-C488-6186-6F69B8F1D98E}"/>
+          <p:cNvPr id="9" name="TextBox 8">
+            <a:extLst>
+              <a:ext uri="{FF2B5EF4-FFF2-40B4-BE49-F238E27FC236}">
+                <a16:creationId xmlns:a16="http://schemas.microsoft.com/office/drawing/2014/main" id="{4A4797E5-491A-5D6F-22F7-3C74552D5684}"/>
               </a:ext>
             </a:extLst>
           </p:cNvPr>
@@ -15051,7 +15025,89 @@
         </p:nvSpPr>
         <p:spPr>
           <a:xfrm>
-            <a:off x="1999766" y="5798706"/>
+            <a:off x="838201" y="1815145"/>
+            <a:ext cx="10692538" cy="369332"/>
+          </a:xfrm>
+          <a:prstGeom prst="rect">
+            <a:avLst/>
+          </a:prstGeom>
+          <a:noFill/>
+        </p:spPr>
+        <p:txBody>
+          <a:bodyPr wrap="square" rtlCol="0">
+            <a:spAutoFit/>
+          </a:bodyPr>
+          <a:lstStyle/>
+          <a:p>
+            <a:pPr algn="just"/>
+            <a:r>
+              <a:rPr lang="pt-BR" b="1" dirty="0"/>
+              <a:t>Reconhecimento de padrões: </a:t>
+            </a:r>
+            <a:r>
+              <a:rPr lang="pt-BR" dirty="0"/>
+              <a:t>padrões mais simples nas primeiras camadas e mais complexos nas finais</a:t>
+            </a:r>
+          </a:p>
+        </p:txBody>
+      </p:sp>
+      <p:pic>
+        <p:nvPicPr>
+          <p:cNvPr id="14" name="Picture 13">
+            <a:extLst>
+              <a:ext uri="{FF2B5EF4-FFF2-40B4-BE49-F238E27FC236}">
+                <a16:creationId xmlns:a16="http://schemas.microsoft.com/office/drawing/2014/main" id="{637FF767-A196-F3D3-86DD-EC9224FEC7DB}"/>
+              </a:ext>
+            </a:extLst>
+          </p:cNvPr>
+          <p:cNvPicPr>
+            <a:picLocks noChangeAspect="1"/>
+          </p:cNvPicPr>
+          <p:nvPr/>
+        </p:nvPicPr>
+        <p:blipFill>
+          <a:blip r:embed="rId3">
+            <a:extLst>
+              <a:ext uri="{BEBA8EAE-BF5A-486C-A8C5-ECC9F3942E4B}">
+                <a14:imgProps xmlns:a14="http://schemas.microsoft.com/office/drawing/2010/main">
+                  <a14:imgLayer r:embed="rId4">
+                    <a14:imgEffect>
+                      <a14:sharpenSoften amount="25000"/>
+                    </a14:imgEffect>
+                  </a14:imgLayer>
+                </a14:imgProps>
+              </a:ext>
+            </a:extLst>
+          </a:blip>
+          <a:stretch>
+            <a:fillRect/>
+          </a:stretch>
+        </p:blipFill>
+        <p:spPr>
+          <a:xfrm>
+            <a:off x="2108819" y="2386799"/>
+            <a:ext cx="7873381" cy="3584807"/>
+          </a:xfrm>
+          <a:prstGeom prst="rect">
+            <a:avLst/>
+          </a:prstGeom>
+        </p:spPr>
+      </p:pic>
+      <p:sp>
+        <p:nvSpPr>
+          <p:cNvPr id="15" name="TextBox 14">
+            <a:extLst>
+              <a:ext uri="{FF2B5EF4-FFF2-40B4-BE49-F238E27FC236}">
+                <a16:creationId xmlns:a16="http://schemas.microsoft.com/office/drawing/2014/main" id="{4522CFA6-DFA3-3C88-ECE9-7A5C1640E04D}"/>
+              </a:ext>
+            </a:extLst>
+          </p:cNvPr>
+          <p:cNvSpPr txBox="1"/>
+          <p:nvPr/>
+        </p:nvSpPr>
+        <p:spPr>
+          <a:xfrm>
+            <a:off x="1789733" y="6133492"/>
             <a:ext cx="8192467" cy="307777"/>
           </a:xfrm>
           <a:prstGeom prst="rect">
@@ -15081,40 +15137,65 @@
           </a:p>
         </p:txBody>
       </p:sp>
-      <p:pic>
-        <p:nvPicPr>
-          <p:cNvPr id="12" name="Picture 11">
-            <a:extLst>
-              <a:ext uri="{FF2B5EF4-FFF2-40B4-BE49-F238E27FC236}">
-                <a16:creationId xmlns:a16="http://schemas.microsoft.com/office/drawing/2014/main" id="{3BC03BC3-4AA5-FF44-7601-DD6AA7E8FA8E}"/>
-              </a:ext>
-            </a:extLst>
-          </p:cNvPr>
-          <p:cNvPicPr>
-            <a:picLocks noChangeAspect="1"/>
-          </p:cNvPicPr>
+      <p:sp>
+        <p:nvSpPr>
+          <p:cNvPr id="8" name="Título 1">
+            <a:extLst>
+              <a:ext uri="{FF2B5EF4-FFF2-40B4-BE49-F238E27FC236}">
+                <a16:creationId xmlns:a16="http://schemas.microsoft.com/office/drawing/2014/main" id="{69357F3A-861C-1F79-8CD9-F6F775310E9D}"/>
+              </a:ext>
+            </a:extLst>
+          </p:cNvPr>
+          <p:cNvSpPr txBox="1">
+            <a:spLocks/>
+          </p:cNvSpPr>
           <p:nvPr/>
-        </p:nvPicPr>
-        <p:blipFill>
-          <a:blip r:embed="rId2"/>
-          <a:stretch>
-            <a:fillRect/>
-          </a:stretch>
-        </p:blipFill>
+        </p:nvSpPr>
         <p:spPr>
           <a:xfrm>
-            <a:off x="2224491" y="1588095"/>
-            <a:ext cx="7743016" cy="4085677"/>
+            <a:off x="990600" y="517525"/>
+            <a:ext cx="10515600" cy="1325563"/>
           </a:xfrm>
           <a:prstGeom prst="rect">
             <a:avLst/>
           </a:prstGeom>
         </p:spPr>
-      </p:pic>
+        <p:txBody>
+          <a:bodyPr vert="horz" lIns="91440" tIns="45720" rIns="91440" bIns="45720" rtlCol="0" anchor="ctr">
+            <a:normAutofit/>
+          </a:bodyPr>
+          <a:lstStyle>
+            <a:lvl1pPr algn="l" defTabSz="914400" rtl="0" eaLnBrk="1" latinLnBrk="0" hangingPunct="1">
+              <a:lnSpc>
+                <a:spcPct val="90000"/>
+              </a:lnSpc>
+              <a:spcBef>
+                <a:spcPct val="0"/>
+              </a:spcBef>
+              <a:buNone/>
+              <a:defRPr sz="4400" kern="1200">
+                <a:solidFill>
+                  <a:schemeClr val="tx1"/>
+                </a:solidFill>
+                <a:latin typeface="+mj-lt"/>
+                <a:ea typeface="+mj-ea"/>
+                <a:cs typeface="+mj-cs"/>
+              </a:defRPr>
+            </a:lvl1pPr>
+          </a:lstStyle>
+          <a:p>
+            <a:r>
+              <a:rPr lang="pt-BR" b="1"/>
+              <a:t>Perceptron multicamada</a:t>
+            </a:r>
+            <a:endParaRPr lang="pt-BR" b="1" dirty="0"/>
+          </a:p>
+        </p:txBody>
+      </p:sp>
     </p:spTree>
     <p:extLst>
       <p:ext uri="{BB962C8B-B14F-4D97-AF65-F5344CB8AC3E}">
-        <p14:creationId xmlns:p14="http://schemas.microsoft.com/office/powerpoint/2010/main" val="1073254456"/>
+        <p14:creationId xmlns:p14="http://schemas.microsoft.com/office/powerpoint/2010/main" val="2501966485"/>
       </p:ext>
     </p:extLst>
   </p:cSld>
@@ -15141,6 +15222,39 @@
           <a:chExt cx="0" cy="0"/>
         </a:xfrm>
       </p:grpSpPr>
+      <p:sp>
+        <p:nvSpPr>
+          <p:cNvPr id="2" name="Título 1">
+            <a:extLst>
+              <a:ext uri="{FF2B5EF4-FFF2-40B4-BE49-F238E27FC236}">
+                <a16:creationId xmlns:a16="http://schemas.microsoft.com/office/drawing/2014/main" id="{BFC061CD-8025-7E8A-76C8-26AC09C7E85D}"/>
+              </a:ext>
+            </a:extLst>
+          </p:cNvPr>
+          <p:cNvSpPr>
+            <a:spLocks noGrp="1"/>
+          </p:cNvSpPr>
+          <p:nvPr>
+            <p:ph type="title"/>
+          </p:nvPr>
+        </p:nvSpPr>
+        <p:spPr>
+          <a:xfrm>
+            <a:off x="838199" y="365125"/>
+            <a:ext cx="11049097" cy="1325563"/>
+          </a:xfrm>
+        </p:spPr>
+        <p:txBody>
+          <a:bodyPr/>
+          <a:lstStyle/>
+          <a:p>
+            <a:r>
+              <a:rPr lang="pt-BR" b="1" dirty="0"/>
+              <a:t>PLAYGROUND DO TENSORFLOW</a:t>
+            </a:r>
+          </a:p>
+        </p:txBody>
+      </p:sp>
       <p:sp>
         <p:nvSpPr>
           <p:cNvPr id="6" name="Retângulo 5">
@@ -15227,10 +15341,10 @@
       </p:sp>
       <p:sp>
         <p:nvSpPr>
-          <p:cNvPr id="9" name="TextBox 8">
-            <a:extLst>
-              <a:ext uri="{FF2B5EF4-FFF2-40B4-BE49-F238E27FC236}">
-                <a16:creationId xmlns:a16="http://schemas.microsoft.com/office/drawing/2014/main" id="{4A4797E5-491A-5D6F-22F7-3C74552D5684}"/>
+          <p:cNvPr id="10" name="TextBox 9">
+            <a:extLst>
+              <a:ext uri="{FF2B5EF4-FFF2-40B4-BE49-F238E27FC236}">
+                <a16:creationId xmlns:a16="http://schemas.microsoft.com/office/drawing/2014/main" id="{52E3E3C8-6B05-B5B5-D4CC-13EED8717509}"/>
               </a:ext>
             </a:extLst>
           </p:cNvPr>
@@ -15239,8 +15353,8 @@
         </p:nvSpPr>
         <p:spPr>
           <a:xfrm>
-            <a:off x="838201" y="1815145"/>
-            <a:ext cx="10692538" cy="369332"/>
+            <a:off x="2104158" y="3109119"/>
+            <a:ext cx="8517177" cy="676532"/>
           </a:xfrm>
           <a:prstGeom prst="rect">
             <a:avLst/>
@@ -15248,29 +15362,32 @@
           <a:noFill/>
         </p:spPr>
         <p:txBody>
-          <a:bodyPr wrap="square" rtlCol="0">
+          <a:bodyPr wrap="square" rtlCol="0" anchor="ctr">
             <a:spAutoFit/>
           </a:bodyPr>
           <a:lstStyle/>
           <a:p>
-            <a:pPr algn="just"/>
-            <a:r>
-              <a:rPr lang="pt-BR" b="1" dirty="0"/>
-              <a:t>Reconhecimento de padrões: </a:t>
-            </a:r>
-            <a:r>
-              <a:rPr lang="pt-BR" dirty="0"/>
-              <a:t>padrões mais simples nas primeiras camadas e mais complexos nas finais</a:t>
-            </a:r>
+            <a:pPr algn="ctr">
+              <a:lnSpc>
+                <a:spcPct val="150000"/>
+              </a:lnSpc>
+            </a:pPr>
+            <a:r>
+              <a:rPr lang="pt-BR" sz="2800" i="1" dirty="0">
+                <a:hlinkClick r:id="rId2"/>
+              </a:rPr>
+              <a:t>https://playground.tensorflow.org/</a:t>
+            </a:r>
+            <a:endParaRPr lang="pt-BR" sz="2800" dirty="0"/>
           </a:p>
         </p:txBody>
       </p:sp>
       <p:pic>
         <p:nvPicPr>
-          <p:cNvPr id="14" name="Picture 13">
-            <a:extLst>
-              <a:ext uri="{FF2B5EF4-FFF2-40B4-BE49-F238E27FC236}">
-                <a16:creationId xmlns:a16="http://schemas.microsoft.com/office/drawing/2014/main" id="{637FF767-A196-F3D3-86DD-EC9224FEC7DB}"/>
+          <p:cNvPr id="7" name="Gráfico 6" descr="Processador com preenchimento sólido">
+            <a:extLst>
+              <a:ext uri="{FF2B5EF4-FFF2-40B4-BE49-F238E27FC236}">
+                <a16:creationId xmlns:a16="http://schemas.microsoft.com/office/drawing/2014/main" id="{B9C5C48E-2C24-EC30-1801-77FF3735EDC5}"/>
               </a:ext>
             </a:extLst>
           </p:cNvPr>
@@ -15282,14 +15399,8 @@
         <p:blipFill>
           <a:blip r:embed="rId3">
             <a:extLst>
-              <a:ext uri="{BEBA8EAE-BF5A-486C-A8C5-ECC9F3942E4B}">
-                <a14:imgProps xmlns:a14="http://schemas.microsoft.com/office/drawing/2010/main">
-                  <a14:imgLayer r:embed="rId4">
-                    <a14:imgEffect>
-                      <a14:sharpenSoften amount="25000"/>
-                    </a14:imgEffect>
-                  </a14:imgLayer>
-                </a14:imgProps>
+              <a:ext uri="{96DAC541-7B7A-43D3-8B79-37D633B846F1}">
+                <asvg:svgBlip xmlns:asvg="http://schemas.microsoft.com/office/drawing/2016/SVG/main" r:embed="rId4"/>
               </a:ext>
             </a:extLst>
           </a:blip>
@@ -15299,117 +15410,18 @@
         </p:blipFill>
         <p:spPr>
           <a:xfrm>
-            <a:off x="2108819" y="2386799"/>
-            <a:ext cx="7873381" cy="3584807"/>
+            <a:off x="2809581" y="3109119"/>
+            <a:ext cx="795466" cy="795466"/>
           </a:xfrm>
           <a:prstGeom prst="rect">
             <a:avLst/>
           </a:prstGeom>
         </p:spPr>
       </p:pic>
-      <p:sp>
-        <p:nvSpPr>
-          <p:cNvPr id="15" name="TextBox 14">
-            <a:extLst>
-              <a:ext uri="{FF2B5EF4-FFF2-40B4-BE49-F238E27FC236}">
-                <a16:creationId xmlns:a16="http://schemas.microsoft.com/office/drawing/2014/main" id="{4522CFA6-DFA3-3C88-ECE9-7A5C1640E04D}"/>
-              </a:ext>
-            </a:extLst>
-          </p:cNvPr>
-          <p:cNvSpPr txBox="1"/>
-          <p:nvPr/>
-        </p:nvSpPr>
-        <p:spPr>
-          <a:xfrm>
-            <a:off x="1789733" y="6133492"/>
-            <a:ext cx="8192467" cy="307777"/>
-          </a:xfrm>
-          <a:prstGeom prst="rect">
-            <a:avLst/>
-          </a:prstGeom>
-          <a:noFill/>
-        </p:spPr>
-        <p:txBody>
-          <a:bodyPr wrap="square" rtlCol="0">
-            <a:spAutoFit/>
-          </a:bodyPr>
-          <a:lstStyle/>
-          <a:p>
-            <a:r>
-              <a:rPr lang="en-US" sz="1400" dirty="0"/>
-              <a:t>ELGENDY, Mohamed. </a:t>
-            </a:r>
-            <a:r>
-              <a:rPr lang="en-US" sz="1400" b="1" dirty="0"/>
-              <a:t>Deep Learning for Vision Systems</a:t>
-            </a:r>
-            <a:r>
-              <a:rPr lang="en-US" sz="1400" dirty="0"/>
-              <a:t>. Shelter Island: Manning Publications, 2020.</a:t>
-            </a:r>
-            <a:endParaRPr lang="pt-BR" sz="1400" dirty="0"/>
-          </a:p>
-        </p:txBody>
-      </p:sp>
-      <p:sp>
-        <p:nvSpPr>
-          <p:cNvPr id="8" name="Título 1">
-            <a:extLst>
-              <a:ext uri="{FF2B5EF4-FFF2-40B4-BE49-F238E27FC236}">
-                <a16:creationId xmlns:a16="http://schemas.microsoft.com/office/drawing/2014/main" id="{69357F3A-861C-1F79-8CD9-F6F775310E9D}"/>
-              </a:ext>
-            </a:extLst>
-          </p:cNvPr>
-          <p:cNvSpPr txBox="1">
-            <a:spLocks/>
-          </p:cNvSpPr>
-          <p:nvPr/>
-        </p:nvSpPr>
-        <p:spPr>
-          <a:xfrm>
-            <a:off x="990600" y="517525"/>
-            <a:ext cx="10515600" cy="1325563"/>
-          </a:xfrm>
-          <a:prstGeom prst="rect">
-            <a:avLst/>
-          </a:prstGeom>
-        </p:spPr>
-        <p:txBody>
-          <a:bodyPr vert="horz" lIns="91440" tIns="45720" rIns="91440" bIns="45720" rtlCol="0" anchor="ctr">
-            <a:normAutofit/>
-          </a:bodyPr>
-          <a:lstStyle>
-            <a:lvl1pPr algn="l" defTabSz="914400" rtl="0" eaLnBrk="1" latinLnBrk="0" hangingPunct="1">
-              <a:lnSpc>
-                <a:spcPct val="90000"/>
-              </a:lnSpc>
-              <a:spcBef>
-                <a:spcPct val="0"/>
-              </a:spcBef>
-              <a:buNone/>
-              <a:defRPr sz="4400" kern="1200">
-                <a:solidFill>
-                  <a:schemeClr val="tx1"/>
-                </a:solidFill>
-                <a:latin typeface="+mj-lt"/>
-                <a:ea typeface="+mj-ea"/>
-                <a:cs typeface="+mj-cs"/>
-              </a:defRPr>
-            </a:lvl1pPr>
-          </a:lstStyle>
-          <a:p>
-            <a:r>
-              <a:rPr lang="pt-BR" b="1"/>
-              <a:t>Perceptron multicamada</a:t>
-            </a:r>
-            <a:endParaRPr lang="pt-BR" b="1" dirty="0"/>
-          </a:p>
-        </p:txBody>
-      </p:sp>
     </p:spTree>
     <p:extLst>
       <p:ext uri="{BB962C8B-B14F-4D97-AF65-F5344CB8AC3E}">
-        <p14:creationId xmlns:p14="http://schemas.microsoft.com/office/powerpoint/2010/main" val="2501966485"/>
+        <p14:creationId xmlns:p14="http://schemas.microsoft.com/office/powerpoint/2010/main" val="2338394085"/>
       </p:ext>
     </p:extLst>
   </p:cSld>
